--- a/O&M Presentation.pptx
+++ b/O&M Presentation.pptx
@@ -34,7 +34,8 @@
     <p:sldId id="282" r:id="rId28"/>
     <p:sldId id="283" r:id="rId29"/>
     <p:sldId id="284" r:id="rId30"/>
-    <p:sldId id="285" r:id="rId31"/>
+    <p:sldId id="286" r:id="rId31"/>
+    <p:sldId id="285" r:id="rId32"/>
   </p:sldIdLst>
   <p:sldSz cx="12192000" cy="6858000"/>
   <p:notesSz cx="6858000" cy="9144000"/>
@@ -5221,7 +5222,12 @@
             <p:ph type="title"/>
           </p:nvPr>
         </p:nvSpPr>
-        <p:spPr/>
+        <p:spPr>
+          <a:xfrm>
+            <a:off x="1249680" y="425002"/>
+            <a:ext cx="9692640" cy="828437"/>
+          </a:xfrm>
+        </p:spPr>
         <p:txBody>
           <a:bodyPr/>
           <a:lstStyle/>
@@ -6134,7 +6140,12 @@
             <p:ph type="title"/>
           </p:nvPr>
         </p:nvSpPr>
-        <p:spPr/>
+        <p:spPr>
+          <a:xfrm>
+            <a:off x="1249680" y="502276"/>
+            <a:ext cx="9692640" cy="802680"/>
+          </a:xfrm>
+        </p:spPr>
         <p:txBody>
           <a:bodyPr/>
           <a:lstStyle/>
@@ -6165,71 +6176,117 @@
             <p:ph idx="1"/>
           </p:nvPr>
         </p:nvSpPr>
-        <p:spPr/>
-        <p:txBody>
-          <a:bodyPr/>
-          <a:lstStyle/>
-          <a:p>
-            <a:pPr lvl="0"/>
-            <a:r>
-              <a:rPr lang="en-US" sz="2000" dirty="0">
+        <p:spPr>
+          <a:xfrm>
+            <a:off x="1261872" y="1455314"/>
+            <a:ext cx="9144258" cy="4900410"/>
+          </a:xfrm>
+        </p:spPr>
+        <p:txBody>
+          <a:bodyPr>
+            <a:normAutofit fontScale="70000" lnSpcReduction="20000"/>
+          </a:bodyPr>
+          <a:lstStyle/>
+          <a:p>
+            <a:pPr lvl="0" algn="just"/>
+            <a:r>
+              <a:rPr lang="en-US" sz="2600" b="1" dirty="0">
                 <a:cs typeface="Calibri"/>
               </a:rPr>
               <a:t>Pricing</a:t>
             </a:r>
           </a:p>
           <a:p>
-            <a:pPr lvl="0"/>
-            <a:r>
-              <a:rPr lang="en-US" sz="2000" dirty="0">
+            <a:pPr lvl="0" algn="just">
+              <a:buFontTx/>
+              <a:buChar char="-"/>
+            </a:pPr>
+            <a:r>
+              <a:rPr lang="en-US" sz="2600" dirty="0">
+                <a:cs typeface="Calibri"/>
+              </a:rPr>
+              <a:t>Based on the quality and demand the price is set for the product </a:t>
+            </a:r>
+          </a:p>
+          <a:p>
+            <a:pPr lvl="0" algn="just"/>
+            <a:r>
+              <a:rPr lang="en-US" sz="2600" b="1" dirty="0">
                 <a:cs typeface="Calibri"/>
               </a:rPr>
               <a:t>Buying </a:t>
             </a:r>
           </a:p>
           <a:p>
-            <a:pPr lvl="0"/>
-            <a:r>
-              <a:rPr lang="en-US" sz="2000" dirty="0">
+            <a:pPr lvl="0" algn="just">
+              <a:buFontTx/>
+              <a:buChar char="-"/>
+            </a:pPr>
+            <a:r>
+              <a:rPr lang="en-US" sz="2600" dirty="0">
+                <a:cs typeface="Calibri"/>
+              </a:rPr>
+              <a:t>Involves where to buy, what to buy, how much, from whom, when and at what price</a:t>
+            </a:r>
+          </a:p>
+          <a:p>
+            <a:pPr lvl="0" algn="just"/>
+            <a:r>
+              <a:rPr lang="en-US" sz="2600" b="1" dirty="0">
                 <a:cs typeface="Calibri"/>
               </a:rPr>
               <a:t>Distribution</a:t>
             </a:r>
           </a:p>
           <a:p>
-            <a:pPr lvl="0"/>
-            <a:r>
-              <a:rPr lang="en-US" sz="2000" dirty="0">
+            <a:pPr lvl="0" algn="just">
+              <a:buFontTx/>
+              <a:buChar char="-"/>
+            </a:pPr>
+            <a:r>
+              <a:rPr lang="en-US" sz="2600" dirty="0">
+                <a:cs typeface="Calibri"/>
+              </a:rPr>
+              <a:t>Determine the best way for a customer to locate, obtain and use the product and service of organization.</a:t>
+            </a:r>
+          </a:p>
+          <a:p>
+            <a:pPr lvl="0" algn="just"/>
+            <a:r>
+              <a:rPr lang="en-US" sz="2600" b="1" dirty="0">
+                <a:cs typeface="Calibri"/>
+              </a:rPr>
+              <a:t>Markets information management</a:t>
+            </a:r>
+          </a:p>
+          <a:p>
+            <a:pPr lvl="0" algn="just">
+              <a:buFontTx/>
+              <a:buChar char="-"/>
+            </a:pPr>
+            <a:r>
+              <a:rPr lang="en-US" sz="2600" dirty="0">
+                <a:cs typeface="Calibri"/>
+              </a:rPr>
+              <a:t>Strategic marketing is driven by  data so an organization need to gather information about the customer rivals and market trends for an organization to success.</a:t>
+            </a:r>
+          </a:p>
+          <a:p>
+            <a:pPr lvl="0" algn="just"/>
+            <a:r>
+              <a:rPr lang="en-US" sz="2600" b="1" dirty="0">
+                <a:cs typeface="Calibri"/>
+              </a:rPr>
+              <a:t>Promotion</a:t>
+            </a:r>
+          </a:p>
+          <a:p>
+            <a:pPr lvl="0" algn="just"/>
+            <a:r>
+              <a:rPr lang="en-US" sz="2600" b="1" dirty="0">
                 <a:cs typeface="Calibri"/>
               </a:rPr>
               <a:t>Financing</a:t>
-            </a:r>
-          </a:p>
-          <a:p>
-            <a:pPr lvl="0"/>
-            <a:r>
-              <a:rPr lang="en-US" sz="2000" dirty="0">
-                <a:cs typeface="Calibri"/>
-              </a:rPr>
-              <a:t>Product/Service Management</a:t>
-            </a:r>
-          </a:p>
-          <a:p>
-            <a:pPr lvl="0"/>
-            <a:r>
-              <a:rPr lang="en-US" sz="2000" dirty="0">
-                <a:cs typeface="Calibri"/>
-              </a:rPr>
-              <a:t>Market information management</a:t>
-            </a:r>
-          </a:p>
-          <a:p>
-            <a:pPr lvl="0"/>
-            <a:r>
-              <a:rPr lang="en-US" sz="2000" dirty="0">
-                <a:cs typeface="Calibri"/>
-              </a:rPr>
-              <a:t>Promotion</a:t>
             </a:r>
           </a:p>
           <a:p>
@@ -6398,6 +6455,119 @@
 </file>
 
 <file path=ppt/slides/slide30.xml><?xml version="1.0" encoding="utf-8"?>
+<p:sld xmlns:a="http://schemas.openxmlformats.org/drawingml/2006/main" xmlns:r="http://schemas.openxmlformats.org/officeDocument/2006/relationships" xmlns:p="http://schemas.openxmlformats.org/presentationml/2006/main">
+  <p:cSld>
+    <p:spTree>
+      <p:nvGrpSpPr>
+        <p:cNvPr id="1" name=""/>
+        <p:cNvGrpSpPr/>
+        <p:nvPr/>
+      </p:nvGrpSpPr>
+      <p:grpSpPr>
+        <a:xfrm>
+          <a:off x="0" y="0"/>
+          <a:ext cx="0" cy="0"/>
+          <a:chOff x="0" y="0"/>
+          <a:chExt cx="0" cy="0"/>
+        </a:xfrm>
+      </p:grpSpPr>
+      <p:sp>
+        <p:nvSpPr>
+          <p:cNvPr id="2" name="Title 1">
+            <a:extLst>
+              <a:ext uri="{FF2B5EF4-FFF2-40B4-BE49-F238E27FC236}">
+                <a16:creationId xmlns:a16="http://schemas.microsoft.com/office/drawing/2014/main" id="{3B947BB1-644B-40F7-B502-D530C8E0C0D7}"/>
+              </a:ext>
+            </a:extLst>
+          </p:cNvPr>
+          <p:cNvSpPr>
+            <a:spLocks noGrp="1"/>
+          </p:cNvSpPr>
+          <p:nvPr>
+            <p:ph type="title"/>
+          </p:nvPr>
+        </p:nvSpPr>
+        <p:spPr/>
+        <p:txBody>
+          <a:bodyPr/>
+          <a:lstStyle/>
+          <a:p>
+            <a:r>
+              <a:rPr lang="en-US" dirty="0"/>
+              <a:t>Advertisement</a:t>
+            </a:r>
+          </a:p>
+        </p:txBody>
+      </p:sp>
+      <p:sp>
+        <p:nvSpPr>
+          <p:cNvPr id="3" name="Content Placeholder 2">
+            <a:extLst>
+              <a:ext uri="{FF2B5EF4-FFF2-40B4-BE49-F238E27FC236}">
+                <a16:creationId xmlns:a16="http://schemas.microsoft.com/office/drawing/2014/main" id="{D40C4387-D621-4B10-B954-3B62C13F45A3}"/>
+              </a:ext>
+            </a:extLst>
+          </p:cNvPr>
+          <p:cNvSpPr>
+            <a:spLocks noGrp="1"/>
+          </p:cNvSpPr>
+          <p:nvPr>
+            <p:ph idx="1"/>
+          </p:nvPr>
+        </p:nvSpPr>
+        <p:spPr/>
+        <p:txBody>
+          <a:bodyPr/>
+          <a:lstStyle/>
+          <a:p>
+            <a:r>
+              <a:rPr lang="en-US" sz="2000" dirty="0">
+                <a:ea typeface="+mn-lt"/>
+                <a:cs typeface="+mn-lt"/>
+              </a:rPr>
+              <a:t>Forms of marketing used to encourage the customer and end user to take action upon product.</a:t>
+            </a:r>
+            <a:endParaRPr lang="en-US" sz="2000" dirty="0"/>
+          </a:p>
+          <a:p>
+            <a:r>
+              <a:rPr lang="en-US" sz="2000" dirty="0">
+                <a:ea typeface="+mn-lt"/>
+                <a:cs typeface="+mn-lt"/>
+              </a:rPr>
+              <a:t>Medium: newspaper, online sources, etc.</a:t>
+            </a:r>
+            <a:endParaRPr lang="en-US" sz="2000" dirty="0"/>
+          </a:p>
+          <a:p>
+            <a:r>
+              <a:rPr lang="en-US" sz="2000" dirty="0">
+                <a:ea typeface="+mn-lt"/>
+                <a:cs typeface="+mn-lt"/>
+              </a:rPr>
+              <a:t>Increase awareness to the people about the product</a:t>
+            </a:r>
+            <a:endParaRPr lang="en-US" sz="2000" dirty="0"/>
+          </a:p>
+          <a:p>
+            <a:endParaRPr lang="en-US" dirty="0"/>
+          </a:p>
+        </p:txBody>
+      </p:sp>
+    </p:spTree>
+    <p:extLst>
+      <p:ext uri="{BB962C8B-B14F-4D97-AF65-F5344CB8AC3E}">
+        <p14:creationId xmlns:p14="http://schemas.microsoft.com/office/powerpoint/2010/main" val="2244260755"/>
+      </p:ext>
+    </p:extLst>
+  </p:cSld>
+  <p:clrMapOvr>
+    <a:masterClrMapping/>
+  </p:clrMapOvr>
+</p:sld>
+</file>
+
+<file path=ppt/slides/slide31.xml><?xml version="1.0" encoding="utf-8"?>
 <p:sld xmlns:a="http://schemas.openxmlformats.org/drawingml/2006/main" xmlns:r="http://schemas.openxmlformats.org/officeDocument/2006/relationships" xmlns:p="http://schemas.openxmlformats.org/presentationml/2006/main">
   <p:cSld>
     <p:spTree>
